--- a/src/Presentation/GR01A_Colautti_Cummaudo.pptx
+++ b/src/Presentation/GR01A_Colautti_Cummaudo.pptx
@@ -218,7 +218,7 @@
           <a:p>
             <a:fld id="{E17C110B-9B76-4083-BD50-D3391D70F3D1}" type="datetimeFigureOut">
               <a:rPr kumimoji="1" lang="ja-JP" altLang="en-US" smtClean="0"/>
-              <a:t>2024/12/18</a:t>
+              <a:t>2024/12/19</a:t>
             </a:fld>
             <a:endParaRPr kumimoji="1" lang="ja-JP" altLang="en-US"/>
           </a:p>
@@ -807,7 +807,7 @@
           <a:p>
             <a:fld id="{6C34BC92-1CF2-40D3-AF30-8F9711537D83}" type="datetime1">
               <a:rPr kumimoji="1" lang="ja-JP" altLang="en-US" smtClean="0"/>
-              <a:t>2024/12/18</a:t>
+              <a:t>2024/12/19</a:t>
             </a:fld>
             <a:endParaRPr kumimoji="1" lang="ja-JP" altLang="en-US"/>
           </a:p>
@@ -1007,7 +1007,7 @@
           <a:p>
             <a:fld id="{EB85D346-E05D-4388-8633-E942D465BD79}" type="datetime1">
               <a:rPr kumimoji="1" lang="ja-JP" altLang="en-US" smtClean="0"/>
-              <a:t>2024/12/18</a:t>
+              <a:t>2024/12/19</a:t>
             </a:fld>
             <a:endParaRPr kumimoji="1" lang="ja-JP" altLang="en-US"/>
           </a:p>
@@ -1217,7 +1217,7 @@
           <a:p>
             <a:fld id="{27DDB15D-2FFC-4DF3-8873-22713DDB5751}" type="datetime1">
               <a:rPr kumimoji="1" lang="ja-JP" altLang="en-US" smtClean="0"/>
-              <a:t>2024/12/18</a:t>
+              <a:t>2024/12/19</a:t>
             </a:fld>
             <a:endParaRPr kumimoji="1" lang="ja-JP" altLang="en-US"/>
           </a:p>
@@ -1417,7 +1417,7 @@
           <a:p>
             <a:fld id="{906A36EB-24DC-48B5-9528-E9C99CD0E9E5}" type="datetime1">
               <a:rPr kumimoji="1" lang="ja-JP" altLang="en-US" smtClean="0"/>
-              <a:t>2024/12/18</a:t>
+              <a:t>2024/12/19</a:t>
             </a:fld>
             <a:endParaRPr kumimoji="1" lang="ja-JP" altLang="en-US"/>
           </a:p>
@@ -1693,7 +1693,7 @@
           <a:p>
             <a:fld id="{5587F9F0-E10A-4A1F-92C5-D5BD708D203D}" type="datetime1">
               <a:rPr kumimoji="1" lang="ja-JP" altLang="en-US" smtClean="0"/>
-              <a:t>2024/12/18</a:t>
+              <a:t>2024/12/19</a:t>
             </a:fld>
             <a:endParaRPr kumimoji="1" lang="ja-JP" altLang="en-US"/>
           </a:p>
@@ -1961,7 +1961,7 @@
           <a:p>
             <a:fld id="{85FA9EBA-F746-4735-8F59-950C1FAC2D7C}" type="datetime1">
               <a:rPr kumimoji="1" lang="ja-JP" altLang="en-US" smtClean="0"/>
-              <a:t>2024/12/18</a:t>
+              <a:t>2024/12/19</a:t>
             </a:fld>
             <a:endParaRPr kumimoji="1" lang="ja-JP" altLang="en-US"/>
           </a:p>
@@ -2376,7 +2376,7 @@
           <a:p>
             <a:fld id="{0710F839-063F-4C5F-A8A9-FD1D53E0A498}" type="datetime1">
               <a:rPr kumimoji="1" lang="ja-JP" altLang="en-US" smtClean="0"/>
-              <a:t>2024/12/18</a:t>
+              <a:t>2024/12/19</a:t>
             </a:fld>
             <a:endParaRPr kumimoji="1" lang="ja-JP" altLang="en-US"/>
           </a:p>
@@ -2518,7 +2518,7 @@
           <a:p>
             <a:fld id="{7965903F-B5D7-4D01-8C0D-E3978031E019}" type="datetime1">
               <a:rPr kumimoji="1" lang="ja-JP" altLang="en-US" smtClean="0"/>
-              <a:t>2024/12/18</a:t>
+              <a:t>2024/12/19</a:t>
             </a:fld>
             <a:endParaRPr kumimoji="1" lang="ja-JP" altLang="en-US"/>
           </a:p>
@@ -2631,7 +2631,7 @@
           <a:p>
             <a:fld id="{10856A7E-8C8E-465B-AE98-CC6734562576}" type="datetime1">
               <a:rPr kumimoji="1" lang="ja-JP" altLang="en-US" smtClean="0"/>
-              <a:t>2024/12/18</a:t>
+              <a:t>2024/12/19</a:t>
             </a:fld>
             <a:endParaRPr kumimoji="1" lang="ja-JP" altLang="en-US"/>
           </a:p>
@@ -2944,7 +2944,7 @@
           <a:p>
             <a:fld id="{8E8BC6DF-FCDD-490E-BDF3-A71718B4087E}" type="datetime1">
               <a:rPr kumimoji="1" lang="ja-JP" altLang="en-US" smtClean="0"/>
-              <a:t>2024/12/18</a:t>
+              <a:t>2024/12/19</a:t>
             </a:fld>
             <a:endParaRPr kumimoji="1" lang="ja-JP" altLang="en-US"/>
           </a:p>
@@ -3233,7 +3233,7 @@
           <a:p>
             <a:fld id="{CC929215-1951-461D-9432-26C9B25E7CC7}" type="datetime1">
               <a:rPr kumimoji="1" lang="ja-JP" altLang="en-US" smtClean="0"/>
-              <a:t>2024/12/18</a:t>
+              <a:t>2024/12/19</a:t>
             </a:fld>
             <a:endParaRPr kumimoji="1" lang="ja-JP" altLang="en-US"/>
           </a:p>
@@ -3476,7 +3476,7 @@
           <a:p>
             <a:fld id="{A049C970-6B6E-4CF2-9959-3F4E99759F48}" type="datetime1">
               <a:rPr kumimoji="1" lang="ja-JP" altLang="en-US" smtClean="0"/>
-              <a:t>2024/12/18</a:t>
+              <a:t>2024/12/19</a:t>
             </a:fld>
             <a:endParaRPr kumimoji="1" lang="ja-JP" altLang="en-US"/>
           </a:p>
